--- a/DevOps Architecture.pptx
+++ b/DevOps Architecture.pptx
@@ -289,7 +289,7 @@
             <a:fld id="{1D8BD707-D9CF-40AE-B4C6-C98DA3205C09}" type="datetimeFigureOut">
               <a:rPr lang="en-US" smtClean="0"/>
               <a:pPr/>
-              <a:t>5/25/2013</a:t>
+              <a:t>5/26/2013</a:t>
             </a:fld>
             <a:endParaRPr lang="en-US"/>
           </a:p>
@@ -456,7 +456,7 @@
             <a:fld id="{1D8BD707-D9CF-40AE-B4C6-C98DA3205C09}" type="datetimeFigureOut">
               <a:rPr lang="en-US" smtClean="0"/>
               <a:pPr/>
-              <a:t>5/25/2013</a:t>
+              <a:t>5/26/2013</a:t>
             </a:fld>
             <a:endParaRPr lang="en-US"/>
           </a:p>
@@ -633,7 +633,7 @@
             <a:fld id="{1D8BD707-D9CF-40AE-B4C6-C98DA3205C09}" type="datetimeFigureOut">
               <a:rPr lang="en-US" smtClean="0"/>
               <a:pPr/>
-              <a:t>5/25/2013</a:t>
+              <a:t>5/26/2013</a:t>
             </a:fld>
             <a:endParaRPr lang="en-US"/>
           </a:p>
@@ -800,7 +800,7 @@
             <a:fld id="{1D8BD707-D9CF-40AE-B4C6-C98DA3205C09}" type="datetimeFigureOut">
               <a:rPr lang="en-US" smtClean="0"/>
               <a:pPr/>
-              <a:t>5/25/2013</a:t>
+              <a:t>5/26/2013</a:t>
             </a:fld>
             <a:endParaRPr lang="en-US"/>
           </a:p>
@@ -1043,7 +1043,7 @@
             <a:fld id="{1D8BD707-D9CF-40AE-B4C6-C98DA3205C09}" type="datetimeFigureOut">
               <a:rPr lang="en-US" smtClean="0"/>
               <a:pPr/>
-              <a:t>5/25/2013</a:t>
+              <a:t>5/26/2013</a:t>
             </a:fld>
             <a:endParaRPr lang="en-US"/>
           </a:p>
@@ -1328,7 +1328,7 @@
             <a:fld id="{1D8BD707-D9CF-40AE-B4C6-C98DA3205C09}" type="datetimeFigureOut">
               <a:rPr lang="en-US" smtClean="0"/>
               <a:pPr/>
-              <a:t>5/25/2013</a:t>
+              <a:t>5/26/2013</a:t>
             </a:fld>
             <a:endParaRPr lang="en-US"/>
           </a:p>
@@ -1747,7 +1747,7 @@
             <a:fld id="{1D8BD707-D9CF-40AE-B4C6-C98DA3205C09}" type="datetimeFigureOut">
               <a:rPr lang="en-US" smtClean="0"/>
               <a:pPr/>
-              <a:t>5/25/2013</a:t>
+              <a:t>5/26/2013</a:t>
             </a:fld>
             <a:endParaRPr lang="en-US"/>
           </a:p>
@@ -1862,7 +1862,7 @@
             <a:fld id="{1D8BD707-D9CF-40AE-B4C6-C98DA3205C09}" type="datetimeFigureOut">
               <a:rPr lang="en-US" smtClean="0"/>
               <a:pPr/>
-              <a:t>5/25/2013</a:t>
+              <a:t>5/26/2013</a:t>
             </a:fld>
             <a:endParaRPr lang="en-US"/>
           </a:p>
@@ -1954,7 +1954,7 @@
             <a:fld id="{1D8BD707-D9CF-40AE-B4C6-C98DA3205C09}" type="datetimeFigureOut">
               <a:rPr lang="en-US" smtClean="0"/>
               <a:pPr/>
-              <a:t>5/25/2013</a:t>
+              <a:t>5/26/2013</a:t>
             </a:fld>
             <a:endParaRPr lang="en-US"/>
           </a:p>
@@ -2228,7 +2228,7 @@
             <a:fld id="{1D8BD707-D9CF-40AE-B4C6-C98DA3205C09}" type="datetimeFigureOut">
               <a:rPr lang="en-US" smtClean="0"/>
               <a:pPr/>
-              <a:t>5/25/2013</a:t>
+              <a:t>5/26/2013</a:t>
             </a:fld>
             <a:endParaRPr lang="en-US"/>
           </a:p>
@@ -2478,7 +2478,7 @@
             <a:fld id="{1D8BD707-D9CF-40AE-B4C6-C98DA3205C09}" type="datetimeFigureOut">
               <a:rPr lang="en-US" smtClean="0"/>
               <a:pPr/>
-              <a:t>5/25/2013</a:t>
+              <a:t>5/26/2013</a:t>
             </a:fld>
             <a:endParaRPr lang="en-US"/>
           </a:p>
@@ -2688,7 +2688,7 @@
             <a:fld id="{1D8BD707-D9CF-40AE-B4C6-C98DA3205C09}" type="datetimeFigureOut">
               <a:rPr lang="en-US" smtClean="0"/>
               <a:pPr/>
-              <a:t>5/25/2013</a:t>
+              <a:t>5/26/2013</a:t>
             </a:fld>
             <a:endParaRPr lang="en-US"/>
           </a:p>
@@ -3455,6 +3455,78 @@
           <a:ln>
             <a:prstDash val="sysDash"/>
             <a:headEnd type="none"/>
+            <a:tailEnd type="arrow"/>
+          </a:ln>
+        </p:spPr>
+        <p:style>
+          <a:lnRef idx="2">
+            <a:schemeClr val="dk1"/>
+          </a:lnRef>
+          <a:fillRef idx="0">
+            <a:schemeClr val="dk1"/>
+          </a:fillRef>
+          <a:effectRef idx="1">
+            <a:schemeClr val="dk1"/>
+          </a:effectRef>
+          <a:fontRef idx="minor">
+            <a:schemeClr val="tx1"/>
+          </a:fontRef>
+        </p:style>
+      </p:cxnSp>
+      <p:cxnSp>
+        <p:nvCxnSpPr>
+          <p:cNvPr id="20" name="Straight Arrow Connector 19"/>
+          <p:cNvCxnSpPr/>
+          <p:nvPr/>
+        </p:nvCxnSpPr>
+        <p:spPr>
+          <a:xfrm>
+            <a:off x="2438400" y="1981200"/>
+            <a:ext cx="0" cy="1447800"/>
+          </a:xfrm>
+          <a:prstGeom prst="straightConnector1">
+            <a:avLst/>
+          </a:prstGeom>
+          <a:ln>
+            <a:headEnd type="arrow"/>
+            <a:tailEnd type="arrow"/>
+          </a:ln>
+        </p:spPr>
+        <p:style>
+          <a:lnRef idx="2">
+            <a:schemeClr val="dk1"/>
+          </a:lnRef>
+          <a:fillRef idx="0">
+            <a:schemeClr val="dk1"/>
+          </a:fillRef>
+          <a:effectRef idx="1">
+            <a:schemeClr val="dk1"/>
+          </a:effectRef>
+          <a:fontRef idx="minor">
+            <a:schemeClr val="tx1"/>
+          </a:fontRef>
+        </p:style>
+      </p:cxnSp>
+      <p:cxnSp>
+        <p:nvCxnSpPr>
+          <p:cNvPr id="3" name="Straight Connector 2"/>
+          <p:cNvCxnSpPr>
+            <a:stCxn id="5" idx="3"/>
+            <a:endCxn id="6" idx="1"/>
+          </p:cNvCxnSpPr>
+          <p:nvPr/>
+        </p:nvCxnSpPr>
+        <p:spPr>
+          <a:xfrm>
+            <a:off x="3657600" y="5086350"/>
+            <a:ext cx="838200" cy="0"/>
+          </a:xfrm>
+          <a:prstGeom prst="line">
+            <a:avLst/>
+          </a:prstGeom>
+          <a:ln>
+            <a:prstDash val="sysDash"/>
+            <a:headEnd type="arrow"/>
             <a:tailEnd type="arrow"/>
           </a:ln>
         </p:spPr>

--- a/DevOps Architecture.pptx
+++ b/DevOps Architecture.pptx
@@ -3367,22 +3367,20 @@
       <p:cxnSp>
         <p:nvCxnSpPr>
           <p:cNvPr id="12" name="Straight Connector 11"/>
-          <p:cNvCxnSpPr>
-            <a:stCxn id="8" idx="2"/>
-            <a:endCxn id="5" idx="0"/>
-          </p:cNvCxnSpPr>
+          <p:cNvCxnSpPr/>
           <p:nvPr/>
         </p:nvCxnSpPr>
         <p:spPr>
           <a:xfrm flipH="1">
-            <a:off x="2743200" y="1981200"/>
-            <a:ext cx="2667000" cy="2628900"/>
+            <a:off x="2971800" y="1981200"/>
+            <a:ext cx="2133600" cy="2628900"/>
           </a:xfrm>
           <a:prstGeom prst="line">
             <a:avLst/>
           </a:prstGeom>
           <a:ln>
             <a:headEnd type="arrow"/>
+            <a:tailEnd type="arrow"/>
           </a:ln>
         </p:spPr>
         <p:style>
@@ -3418,43 +3416,7 @@
             <a:avLst/>
           </a:prstGeom>
           <a:ln>
-            <a:prstDash val="sysDash"/>
             <a:headEnd type="arrow"/>
-            <a:tailEnd type="arrow"/>
-          </a:ln>
-        </p:spPr>
-        <p:style>
-          <a:lnRef idx="2">
-            <a:schemeClr val="dk1"/>
-          </a:lnRef>
-          <a:fillRef idx="0">
-            <a:schemeClr val="dk1"/>
-          </a:fillRef>
-          <a:effectRef idx="1">
-            <a:schemeClr val="dk1"/>
-          </a:effectRef>
-          <a:fontRef idx="minor">
-            <a:schemeClr val="tx1"/>
-          </a:fontRef>
-        </p:style>
-      </p:cxnSp>
-      <p:cxnSp>
-        <p:nvCxnSpPr>
-          <p:cNvPr id="18" name="Straight Connector 17"/>
-          <p:cNvCxnSpPr/>
-          <p:nvPr/>
-        </p:nvCxnSpPr>
-        <p:spPr>
-          <a:xfrm flipH="1">
-            <a:off x="3162300" y="1981200"/>
-            <a:ext cx="2667000" cy="2628900"/>
-          </a:xfrm>
-          <a:prstGeom prst="line">
-            <a:avLst/>
-          </a:prstGeom>
-          <a:ln>
-            <a:prstDash val="sysDash"/>
-            <a:headEnd type="none"/>
             <a:tailEnd type="arrow"/>
           </a:ln>
         </p:spPr>
@@ -3525,7 +3487,6 @@
             <a:avLst/>
           </a:prstGeom>
           <a:ln>
-            <a:prstDash val="sysDash"/>
             <a:headEnd type="arrow"/>
             <a:tailEnd type="arrow"/>
           </a:ln>

--- a/DevOps Architecture.pptx
+++ b/DevOps Architecture.pptx
@@ -289,7 +289,7 @@
             <a:fld id="{1D8BD707-D9CF-40AE-B4C6-C98DA3205C09}" type="datetimeFigureOut">
               <a:rPr lang="en-US" smtClean="0"/>
               <a:pPr/>
-              <a:t>5/26/2013</a:t>
+              <a:t>6/7/2013</a:t>
             </a:fld>
             <a:endParaRPr lang="en-US"/>
           </a:p>
@@ -456,7 +456,7 @@
             <a:fld id="{1D8BD707-D9CF-40AE-B4C6-C98DA3205C09}" type="datetimeFigureOut">
               <a:rPr lang="en-US" smtClean="0"/>
               <a:pPr/>
-              <a:t>5/26/2013</a:t>
+              <a:t>6/7/2013</a:t>
             </a:fld>
             <a:endParaRPr lang="en-US"/>
           </a:p>
@@ -633,7 +633,7 @@
             <a:fld id="{1D8BD707-D9CF-40AE-B4C6-C98DA3205C09}" type="datetimeFigureOut">
               <a:rPr lang="en-US" smtClean="0"/>
               <a:pPr/>
-              <a:t>5/26/2013</a:t>
+              <a:t>6/7/2013</a:t>
             </a:fld>
             <a:endParaRPr lang="en-US"/>
           </a:p>
@@ -800,7 +800,7 @@
             <a:fld id="{1D8BD707-D9CF-40AE-B4C6-C98DA3205C09}" type="datetimeFigureOut">
               <a:rPr lang="en-US" smtClean="0"/>
               <a:pPr/>
-              <a:t>5/26/2013</a:t>
+              <a:t>6/7/2013</a:t>
             </a:fld>
             <a:endParaRPr lang="en-US"/>
           </a:p>
@@ -1043,7 +1043,7 @@
             <a:fld id="{1D8BD707-D9CF-40AE-B4C6-C98DA3205C09}" type="datetimeFigureOut">
               <a:rPr lang="en-US" smtClean="0"/>
               <a:pPr/>
-              <a:t>5/26/2013</a:t>
+              <a:t>6/7/2013</a:t>
             </a:fld>
             <a:endParaRPr lang="en-US"/>
           </a:p>
@@ -1328,7 +1328,7 @@
             <a:fld id="{1D8BD707-D9CF-40AE-B4C6-C98DA3205C09}" type="datetimeFigureOut">
               <a:rPr lang="en-US" smtClean="0"/>
               <a:pPr/>
-              <a:t>5/26/2013</a:t>
+              <a:t>6/7/2013</a:t>
             </a:fld>
             <a:endParaRPr lang="en-US"/>
           </a:p>
@@ -1747,7 +1747,7 @@
             <a:fld id="{1D8BD707-D9CF-40AE-B4C6-C98DA3205C09}" type="datetimeFigureOut">
               <a:rPr lang="en-US" smtClean="0"/>
               <a:pPr/>
-              <a:t>5/26/2013</a:t>
+              <a:t>6/7/2013</a:t>
             </a:fld>
             <a:endParaRPr lang="en-US"/>
           </a:p>
@@ -1862,7 +1862,7 @@
             <a:fld id="{1D8BD707-D9CF-40AE-B4C6-C98DA3205C09}" type="datetimeFigureOut">
               <a:rPr lang="en-US" smtClean="0"/>
               <a:pPr/>
-              <a:t>5/26/2013</a:t>
+              <a:t>6/7/2013</a:t>
             </a:fld>
             <a:endParaRPr lang="en-US"/>
           </a:p>
@@ -1954,7 +1954,7 @@
             <a:fld id="{1D8BD707-D9CF-40AE-B4C6-C98DA3205C09}" type="datetimeFigureOut">
               <a:rPr lang="en-US" smtClean="0"/>
               <a:pPr/>
-              <a:t>5/26/2013</a:t>
+              <a:t>6/7/2013</a:t>
             </a:fld>
             <a:endParaRPr lang="en-US"/>
           </a:p>
@@ -2228,7 +2228,7 @@
             <a:fld id="{1D8BD707-D9CF-40AE-B4C6-C98DA3205C09}" type="datetimeFigureOut">
               <a:rPr lang="en-US" smtClean="0"/>
               <a:pPr/>
-              <a:t>5/26/2013</a:t>
+              <a:t>6/7/2013</a:t>
             </a:fld>
             <a:endParaRPr lang="en-US"/>
           </a:p>
@@ -2478,7 +2478,7 @@
             <a:fld id="{1D8BD707-D9CF-40AE-B4C6-C98DA3205C09}" type="datetimeFigureOut">
               <a:rPr lang="en-US" smtClean="0"/>
               <a:pPr/>
-              <a:t>5/26/2013</a:t>
+              <a:t>6/7/2013</a:t>
             </a:fld>
             <a:endParaRPr lang="en-US"/>
           </a:p>
@@ -2688,7 +2688,7 @@
             <a:fld id="{1D8BD707-D9CF-40AE-B4C6-C98DA3205C09}" type="datetimeFigureOut">
               <a:rPr lang="en-US" smtClean="0"/>
               <a:pPr/>
-              <a:t>5/26/2013</a:t>
+              <a:t>6/7/2013</a:t>
             </a:fld>
             <a:endParaRPr lang="en-US"/>
           </a:p>
@@ -3068,7 +3068,7 @@
         <p:spPr>
           <a:xfrm>
             <a:off x="1371600" y="3429000"/>
-            <a:ext cx="5334000" cy="2819400"/>
+            <a:ext cx="6858000" cy="2819400"/>
           </a:xfrm>
           <a:prstGeom prst="roundRect">
             <a:avLst/>
@@ -3150,10 +3150,37 @@
           <a:p>
             <a:pPr algn="ctr"/>
             <a:r>
+              <a:rPr lang="en-US" dirty="0" err="1" smtClean="0"/>
+              <a:t>DevOps</a:t>
+            </a:r>
+            <a:r>
               <a:rPr lang="en-US" dirty="0" smtClean="0"/>
-              <a:t>Chef Workstation</a:t>
-            </a:r>
-            <a:endParaRPr lang="en-US" dirty="0"/>
+              <a:t> </a:t>
+            </a:r>
+            <a:r>
+              <a:rPr lang="en-US" dirty="0" smtClean="0"/>
+              <a:t>Workstation</a:t>
+            </a:r>
+          </a:p>
+          <a:p>
+            <a:pPr algn="ctr"/>
+            <a:r>
+              <a:rPr lang="en-US" sz="700" dirty="0"/>
+              <a:t>(</a:t>
+            </a:r>
+            <a:r>
+              <a:rPr lang="en-US" sz="700" dirty="0" smtClean="0"/>
+              <a:t>192.168.20.200:2200, </a:t>
+            </a:r>
+            <a:r>
+              <a:rPr lang="en-US" sz="700" dirty="0" err="1" smtClean="0"/>
+              <a:t>Git</a:t>
+            </a:r>
+            <a:r>
+              <a:rPr lang="en-US" sz="700" dirty="0" smtClean="0"/>
+              <a:t> and code, Chef)</a:t>
+            </a:r>
+            <a:endParaRPr lang="en-US" sz="1050" dirty="0"/>
           </a:p>
         </p:txBody>
       </p:sp>
@@ -3165,7 +3192,7 @@
         </p:nvSpPr>
         <p:spPr>
           <a:xfrm>
-            <a:off x="4495800" y="4610100"/>
+            <a:off x="4114800" y="4610100"/>
             <a:ext cx="1828800" cy="952500"/>
           </a:xfrm>
           <a:prstGeom prst="roundRect">
@@ -3205,9 +3232,20 @@
             <a:pPr algn="ctr"/>
             <a:r>
               <a:rPr lang="en-US" dirty="0" smtClean="0"/>
-              <a:t>Chef Node</a:t>
-            </a:r>
-            <a:endParaRPr lang="en-US" dirty="0"/>
+              <a:t>Node1</a:t>
+            </a:r>
+          </a:p>
+          <a:p>
+            <a:pPr algn="ctr"/>
+            <a:r>
+              <a:rPr lang="en-US" sz="800" dirty="0"/>
+              <a:t>(</a:t>
+            </a:r>
+            <a:r>
+              <a:rPr lang="en-US" sz="800" dirty="0" smtClean="0"/>
+              <a:t>192.168.20.201:2201, Chef-client)</a:t>
+            </a:r>
+            <a:endParaRPr lang="en-US" sz="2800" dirty="0"/>
           </a:p>
         </p:txBody>
       </p:sp>
@@ -3408,9 +3446,9 @@
           <p:nvPr/>
         </p:nvCxnSpPr>
         <p:spPr>
-          <a:xfrm>
-            <a:off x="5410200" y="1981200"/>
-            <a:ext cx="0" cy="2628900"/>
+          <a:xfrm flipH="1">
+            <a:off x="5029200" y="1981200"/>
+            <a:ext cx="381000" cy="2628900"/>
           </a:xfrm>
           <a:prstGeom prst="line">
             <a:avLst/>
@@ -3481,7 +3519,7 @@
         <p:spPr>
           <a:xfrm>
             <a:off x="3657600" y="5086350"/>
-            <a:ext cx="838200" cy="0"/>
+            <a:ext cx="457200" cy="0"/>
           </a:xfrm>
           <a:prstGeom prst="line">
             <a:avLst/>
@@ -3506,6 +3544,164 @@
           </a:fontRef>
         </p:style>
       </p:cxnSp>
+      <p:sp>
+        <p:nvSpPr>
+          <p:cNvPr id="14" name="Rounded Rectangle 13"/>
+          <p:cNvSpPr/>
+          <p:nvPr/>
+        </p:nvSpPr>
+        <p:spPr>
+          <a:xfrm>
+            <a:off x="6248400" y="4610100"/>
+            <a:ext cx="1828800" cy="952500"/>
+          </a:xfrm>
+          <a:prstGeom prst="roundRect">
+            <a:avLst/>
+          </a:prstGeom>
+          <a:solidFill>
+            <a:schemeClr val="accent2"/>
+          </a:solidFill>
+        </p:spPr>
+        <p:style>
+          <a:lnRef idx="2">
+            <a:schemeClr val="accent1">
+              <a:shade val="50000"/>
+            </a:schemeClr>
+          </a:lnRef>
+          <a:fillRef idx="1">
+            <a:schemeClr val="accent1"/>
+          </a:fillRef>
+          <a:effectRef idx="0">
+            <a:schemeClr val="accent1"/>
+          </a:effectRef>
+          <a:fontRef idx="minor">
+            <a:schemeClr val="lt1"/>
+          </a:fontRef>
+        </p:style>
+        <p:txBody>
+          <a:bodyPr rtlCol="0" anchor="ctr"/>
+          <a:lstStyle/>
+          <a:p>
+            <a:pPr algn="ctr"/>
+            <a:r>
+              <a:rPr lang="en-US" dirty="0" smtClean="0"/>
+              <a:t>VM (Centos)</a:t>
+            </a:r>
+          </a:p>
+          <a:p>
+            <a:pPr algn="ctr"/>
+            <a:r>
+              <a:rPr lang="en-US" dirty="0" smtClean="0"/>
+              <a:t>Node2</a:t>
+            </a:r>
+          </a:p>
+          <a:p>
+            <a:pPr algn="ctr"/>
+            <a:r>
+              <a:rPr lang="en-US" sz="800" dirty="0" smtClean="0"/>
+              <a:t>(192.168.20.202:2202, </a:t>
+            </a:r>
+            <a:r>
+              <a:rPr lang="en-US" sz="800" dirty="0"/>
+              <a:t>Chef-client</a:t>
+            </a:r>
+            <a:r>
+              <a:rPr lang="en-US" sz="800" dirty="0" smtClean="0"/>
+              <a:t>)</a:t>
+            </a:r>
+            <a:endParaRPr lang="en-US" dirty="0"/>
+          </a:p>
+        </p:txBody>
+      </p:sp>
+      <p:cxnSp>
+        <p:nvCxnSpPr>
+          <p:cNvPr id="16" name="Straight Connector 15"/>
+          <p:cNvCxnSpPr>
+            <a:stCxn id="14" idx="0"/>
+          </p:cNvCxnSpPr>
+          <p:nvPr/>
+        </p:nvCxnSpPr>
+        <p:spPr>
+          <a:xfrm flipH="1" flipV="1">
+            <a:off x="5715000" y="1981200"/>
+            <a:ext cx="1447800" cy="2628900"/>
+          </a:xfrm>
+          <a:prstGeom prst="line">
+            <a:avLst/>
+          </a:prstGeom>
+          <a:ln>
+            <a:headEnd type="arrow"/>
+            <a:tailEnd type="arrow"/>
+          </a:ln>
+        </p:spPr>
+        <p:style>
+          <a:lnRef idx="2">
+            <a:schemeClr val="dk1"/>
+          </a:lnRef>
+          <a:fillRef idx="0">
+            <a:schemeClr val="dk1"/>
+          </a:fillRef>
+          <a:effectRef idx="1">
+            <a:schemeClr val="dk1"/>
+          </a:effectRef>
+          <a:fontRef idx="minor">
+            <a:schemeClr val="tx1"/>
+          </a:fontRef>
+        </p:style>
+      </p:cxnSp>
+      <p:sp>
+        <p:nvSpPr>
+          <p:cNvPr id="2" name="TextBox 1"/>
+          <p:cNvSpPr txBox="1"/>
+          <p:nvPr/>
+        </p:nvSpPr>
+        <p:spPr>
+          <a:xfrm>
+            <a:off x="4343400" y="5638800"/>
+            <a:ext cx="1447800" cy="461665"/>
+          </a:xfrm>
+          <a:prstGeom prst="rect">
+            <a:avLst/>
+          </a:prstGeom>
+        </p:spPr>
+        <p:style>
+          <a:lnRef idx="1">
+            <a:schemeClr val="accent1"/>
+          </a:lnRef>
+          <a:fillRef idx="2">
+            <a:schemeClr val="accent1"/>
+          </a:fillRef>
+          <a:effectRef idx="1">
+            <a:schemeClr val="accent1"/>
+          </a:effectRef>
+          <a:fontRef idx="minor">
+            <a:schemeClr val="dk1"/>
+          </a:fontRef>
+        </p:style>
+        <p:txBody>
+          <a:bodyPr wrap="square" rtlCol="0">
+            <a:spAutoFit/>
+          </a:bodyPr>
+          <a:lstStyle/>
+          <a:p>
+            <a:r>
+              <a:rPr lang="en-US" sz="800" b="1" dirty="0" smtClean="0"/>
+              <a:t>Role</a:t>
+            </a:r>
+            <a:r>
+              <a:rPr lang="en-US" sz="800" dirty="0" smtClean="0"/>
+              <a:t>: Web Server</a:t>
+            </a:r>
+          </a:p>
+          <a:p>
+            <a:r>
+              <a:rPr lang="en-US" sz="800" dirty="0" smtClean="0"/>
+              <a:t>=&gt; Apache HTTP Server, Tomcat, Web App</a:t>
+            </a:r>
+            <a:endParaRPr lang="en-US" sz="800" dirty="0"/>
+          </a:p>
+        </p:txBody>
+      </p:sp>
     </p:spTree>
     <p:extLst>
       <p:ext uri="{BB962C8B-B14F-4D97-AF65-F5344CB8AC3E}">

--- a/DevOps Architecture.pptx
+++ b/DevOps Architecture.pptx
@@ -289,7 +289,7 @@
             <a:fld id="{1D8BD707-D9CF-40AE-B4C6-C98DA3205C09}" type="datetimeFigureOut">
               <a:rPr lang="en-US" smtClean="0"/>
               <a:pPr/>
-              <a:t>6/7/2013</a:t>
+              <a:t>6/13/2013</a:t>
             </a:fld>
             <a:endParaRPr lang="en-US"/>
           </a:p>
@@ -456,7 +456,7 @@
             <a:fld id="{1D8BD707-D9CF-40AE-B4C6-C98DA3205C09}" type="datetimeFigureOut">
               <a:rPr lang="en-US" smtClean="0"/>
               <a:pPr/>
-              <a:t>6/7/2013</a:t>
+              <a:t>6/13/2013</a:t>
             </a:fld>
             <a:endParaRPr lang="en-US"/>
           </a:p>
@@ -633,7 +633,7 @@
             <a:fld id="{1D8BD707-D9CF-40AE-B4C6-C98DA3205C09}" type="datetimeFigureOut">
               <a:rPr lang="en-US" smtClean="0"/>
               <a:pPr/>
-              <a:t>6/7/2013</a:t>
+              <a:t>6/13/2013</a:t>
             </a:fld>
             <a:endParaRPr lang="en-US"/>
           </a:p>
@@ -800,7 +800,7 @@
             <a:fld id="{1D8BD707-D9CF-40AE-B4C6-C98DA3205C09}" type="datetimeFigureOut">
               <a:rPr lang="en-US" smtClean="0"/>
               <a:pPr/>
-              <a:t>6/7/2013</a:t>
+              <a:t>6/13/2013</a:t>
             </a:fld>
             <a:endParaRPr lang="en-US"/>
           </a:p>
@@ -1043,7 +1043,7 @@
             <a:fld id="{1D8BD707-D9CF-40AE-B4C6-C98DA3205C09}" type="datetimeFigureOut">
               <a:rPr lang="en-US" smtClean="0"/>
               <a:pPr/>
-              <a:t>6/7/2013</a:t>
+              <a:t>6/13/2013</a:t>
             </a:fld>
             <a:endParaRPr lang="en-US"/>
           </a:p>
@@ -1328,7 +1328,7 @@
             <a:fld id="{1D8BD707-D9CF-40AE-B4C6-C98DA3205C09}" type="datetimeFigureOut">
               <a:rPr lang="en-US" smtClean="0"/>
               <a:pPr/>
-              <a:t>6/7/2013</a:t>
+              <a:t>6/13/2013</a:t>
             </a:fld>
             <a:endParaRPr lang="en-US"/>
           </a:p>
@@ -1747,7 +1747,7 @@
             <a:fld id="{1D8BD707-D9CF-40AE-B4C6-C98DA3205C09}" type="datetimeFigureOut">
               <a:rPr lang="en-US" smtClean="0"/>
               <a:pPr/>
-              <a:t>6/7/2013</a:t>
+              <a:t>6/13/2013</a:t>
             </a:fld>
             <a:endParaRPr lang="en-US"/>
           </a:p>
@@ -1862,7 +1862,7 @@
             <a:fld id="{1D8BD707-D9CF-40AE-B4C6-C98DA3205C09}" type="datetimeFigureOut">
               <a:rPr lang="en-US" smtClean="0"/>
               <a:pPr/>
-              <a:t>6/7/2013</a:t>
+              <a:t>6/13/2013</a:t>
             </a:fld>
             <a:endParaRPr lang="en-US"/>
           </a:p>
@@ -1954,7 +1954,7 @@
             <a:fld id="{1D8BD707-D9CF-40AE-B4C6-C98DA3205C09}" type="datetimeFigureOut">
               <a:rPr lang="en-US" smtClean="0"/>
               <a:pPr/>
-              <a:t>6/7/2013</a:t>
+              <a:t>6/13/2013</a:t>
             </a:fld>
             <a:endParaRPr lang="en-US"/>
           </a:p>
@@ -2228,7 +2228,7 @@
             <a:fld id="{1D8BD707-D9CF-40AE-B4C6-C98DA3205C09}" type="datetimeFigureOut">
               <a:rPr lang="en-US" smtClean="0"/>
               <a:pPr/>
-              <a:t>6/7/2013</a:t>
+              <a:t>6/13/2013</a:t>
             </a:fld>
             <a:endParaRPr lang="en-US"/>
           </a:p>
@@ -2478,7 +2478,7 @@
             <a:fld id="{1D8BD707-D9CF-40AE-B4C6-C98DA3205C09}" type="datetimeFigureOut">
               <a:rPr lang="en-US" smtClean="0"/>
               <a:pPr/>
-              <a:t>6/7/2013</a:t>
+              <a:t>6/13/2013</a:t>
             </a:fld>
             <a:endParaRPr lang="en-US"/>
           </a:p>
@@ -2688,7 +2688,7 @@
             <a:fld id="{1D8BD707-D9CF-40AE-B4C6-C98DA3205C09}" type="datetimeFigureOut">
               <a:rPr lang="en-US" smtClean="0"/>
               <a:pPr/>
-              <a:t>6/7/2013</a:t>
+              <a:t>6/13/2013</a:t>
             </a:fld>
             <a:endParaRPr lang="en-US"/>
           </a:p>
@@ -3155,11 +3155,7 @@
             </a:r>
             <a:r>
               <a:rPr lang="en-US" dirty="0" smtClean="0"/>
-              <a:t> </a:t>
-            </a:r>
-            <a:r>
-              <a:rPr lang="en-US" dirty="0" smtClean="0"/>
-              <a:t>Workstation</a:t>
+              <a:t> Workstation</a:t>
             </a:r>
           </a:p>
           <a:p>
@@ -3694,10 +3690,94 @@
             </a:r>
           </a:p>
           <a:p>
+            <a:pPr marL="171450" indent="-171450">
+              <a:buFont typeface="Symbol"/>
+              <a:buChar char="Þ"/>
+            </a:pPr>
             <a:r>
               <a:rPr lang="en-US" sz="800" dirty="0" smtClean="0"/>
-              <a:t>=&gt; Apache HTTP Server, Tomcat, Web App</a:t>
-            </a:r>
+              <a:t>Apache </a:t>
+            </a:r>
+            <a:r>
+              <a:rPr lang="en-US" sz="800" dirty="0" smtClean="0"/>
+              <a:t>HTTP Server, Tomcat, Web </a:t>
+            </a:r>
+            <a:r>
+              <a:rPr lang="en-US" sz="800" dirty="0" smtClean="0"/>
+              <a:t>App</a:t>
+            </a:r>
+            <a:endParaRPr lang="en-US" sz="800" dirty="0"/>
+          </a:p>
+        </p:txBody>
+      </p:sp>
+      <p:sp>
+        <p:nvSpPr>
+          <p:cNvPr id="17" name="TextBox 16"/>
+          <p:cNvSpPr txBox="1"/>
+          <p:nvPr/>
+        </p:nvSpPr>
+        <p:spPr>
+          <a:xfrm>
+            <a:off x="6432491" y="5638800"/>
+            <a:ext cx="1447800" cy="461665"/>
+          </a:xfrm>
+          <a:prstGeom prst="rect">
+            <a:avLst/>
+          </a:prstGeom>
+        </p:spPr>
+        <p:style>
+          <a:lnRef idx="1">
+            <a:schemeClr val="accent1"/>
+          </a:lnRef>
+          <a:fillRef idx="2">
+            <a:schemeClr val="accent1"/>
+          </a:fillRef>
+          <a:effectRef idx="1">
+            <a:schemeClr val="accent1"/>
+          </a:effectRef>
+          <a:fontRef idx="minor">
+            <a:schemeClr val="dk1"/>
+          </a:fontRef>
+        </p:style>
+        <p:txBody>
+          <a:bodyPr wrap="square" rtlCol="0">
+            <a:spAutoFit/>
+          </a:bodyPr>
+          <a:lstStyle/>
+          <a:p>
+            <a:r>
+              <a:rPr lang="en-US" sz="800" b="1" dirty="0" smtClean="0"/>
+              <a:t>Role</a:t>
+            </a:r>
+            <a:r>
+              <a:rPr lang="en-US" sz="800" dirty="0" smtClean="0"/>
+              <a:t>: </a:t>
+            </a:r>
+            <a:r>
+              <a:rPr lang="en-US" sz="800" dirty="0" err="1" smtClean="0"/>
+              <a:t>Devops</a:t>
+            </a:r>
+            <a:endParaRPr lang="en-US" sz="800" dirty="0" smtClean="0"/>
+          </a:p>
+          <a:p>
+            <a:pPr marL="171450" indent="-171450">
+              <a:buFont typeface="Symbol"/>
+              <a:buChar char="Þ"/>
+            </a:pPr>
+            <a:r>
+              <a:rPr lang="en-US" sz="800" dirty="0" err="1" smtClean="0"/>
+              <a:t>Git</a:t>
+            </a:r>
+            <a:r>
+              <a:rPr lang="en-US" sz="800" dirty="0" smtClean="0"/>
+              <a:t>, Knife</a:t>
+            </a:r>
+          </a:p>
+          <a:p>
+            <a:pPr marL="171450" indent="-171450">
+              <a:buFont typeface="Symbol"/>
+              <a:buChar char="Þ"/>
+            </a:pPr>
             <a:endParaRPr lang="en-US" sz="800" dirty="0"/>
           </a:p>
         </p:txBody>
